--- a/Output/Aboriginals in Canada Presentation-2.pptx
+++ b/Output/Aboriginals in Canada Presentation-2.pptx
@@ -11724,7 +11724,7 @@
         <p:spPr/>
         <p:txBody>
           <a:bodyPr>
-            <a:normAutofit/>
+            <a:normAutofit fontScale="92500" lnSpcReduction="10000"/>
           </a:bodyPr>
           <a:lstStyle/>
           <a:p>
@@ -11736,7 +11736,7 @@
           <a:p>
             <a:r>
               <a:rPr lang="en-CA" dirty="0"/>
-              <a:t>Population YOY increase (pending)</a:t>
+              <a:t>Population YOY increase</a:t>
             </a:r>
           </a:p>
           <a:p>
@@ -11778,7 +11778,13 @@
           <a:p>
             <a:r>
               <a:rPr lang="en-CA" dirty="0"/>
-              <a:t>Suicide (pending)</a:t>
+              <a:t>Perceived Mental and Suicidal Thoughts</a:t>
+            </a:r>
+          </a:p>
+          <a:p>
+            <a:r>
+              <a:rPr lang="en-CA" dirty="0"/>
+              <a:t>Major limitations in access to data because of the structure and legacy of colonialism in Canada</a:t>
             </a:r>
           </a:p>
         </p:txBody>
@@ -11866,7 +11872,7 @@
         </p:spPr>
         <p:txBody>
           <a:bodyPr>
-            <a:normAutofit/>
+            <a:normAutofit lnSpcReduction="10000"/>
           </a:bodyPr>
           <a:lstStyle>
             <a:lvl1pPr marL="306000" indent="-306000" algn="l" defTabSz="457200" rtl="0" eaLnBrk="1" latinLnBrk="0" hangingPunct="1">
@@ -12077,7 +12083,15 @@
           <a:p>
             <a:r>
               <a:rPr lang="en-CA" dirty="0"/>
-              <a:t>Challenges of limited data </a:t>
+              <a:t>Challenges of limited data, only </a:t>
+            </a:r>
+            <a:r>
+              <a:rPr lang="en-CA" dirty="0" err="1"/>
+              <a:t>api</a:t>
+            </a:r>
+            <a:r>
+              <a:rPr lang="en-CA" dirty="0"/>
+              <a:t> was census</a:t>
             </a:r>
           </a:p>
           <a:p>
@@ -12114,6 +12128,12 @@
             <a:r>
               <a:rPr lang="en-CA" dirty="0"/>
               <a:t>We don’t have access to the data behind the work </a:t>
+            </a:r>
+          </a:p>
+          <a:p>
+            <a:r>
+              <a:rPr lang="en-CA" dirty="0"/>
+              <a:t>A lot of data for reserves is not available </a:t>
             </a:r>
           </a:p>
           <a:p>
